--- a/openToDo_DBA.pptx
+++ b/openToDo_DBA.pptx
@@ -105,6 +105,11 @@
       </a:defRPr>
     </a:lvl9pPr>
   </p:defaultTextStyle>
+  <p:extLst>
+    <p:ext uri="{EFAFB233-063F-42B5-8137-9DF3F51BA10A}">
+      <p15:sldGuideLst xmlns:p15="http://schemas.microsoft.com/office/powerpoint/2012/main"/>
+    </p:ext>
+  </p:extLst>
 </p:presentation>
 </file>
 
@@ -529,7 +534,7 @@
           <a:p>
             <a:fld id="{53BEF823-48A5-43FC-BE03-E79964288B41}" type="datetimeFigureOut">
               <a:rPr lang="en-US" smtClean="0"/>
-              <a:t>8/8/2024</a:t>
+              <a:t>8/20/2024</a:t>
             </a:fld>
             <a:endParaRPr lang="en-US" dirty="0"/>
           </a:p>
@@ -740,7 +745,7 @@
             <a:fld id="{53BEF823-48A5-43FC-BE03-E79964288B41}" type="datetimeFigureOut">
               <a:rPr lang="en-US" smtClean="0"/>
               <a:pPr algn="r"/>
-              <a:t>8/8/2024</a:t>
+              <a:t>8/20/2024</a:t>
             </a:fld>
             <a:endParaRPr lang="en-US" dirty="0"/>
           </a:p>
@@ -955,7 +960,7 @@
             <a:fld id="{53BEF823-48A5-43FC-BE03-E79964288B41}" type="datetimeFigureOut">
               <a:rPr lang="en-US" smtClean="0"/>
               <a:pPr algn="r"/>
-              <a:t>8/8/2024</a:t>
+              <a:t>8/20/2024</a:t>
             </a:fld>
             <a:endParaRPr lang="en-US" dirty="0"/>
           </a:p>
@@ -1158,7 +1163,7 @@
             <a:fld id="{53BEF823-48A5-43FC-BE03-E79964288B41}" type="datetimeFigureOut">
               <a:rPr lang="en-US" smtClean="0"/>
               <a:pPr algn="r"/>
-              <a:t>8/8/2024</a:t>
+              <a:t>8/20/2024</a:t>
             </a:fld>
             <a:endParaRPr lang="en-US" dirty="0"/>
           </a:p>
@@ -1442,7 +1447,7 @@
             <a:fld id="{53BEF823-48A5-43FC-BE03-E79964288B41}" type="datetimeFigureOut">
               <a:rPr lang="en-US" smtClean="0"/>
               <a:pPr algn="r"/>
-              <a:t>8/8/2024</a:t>
+              <a:t>8/20/2024</a:t>
             </a:fld>
             <a:endParaRPr lang="en-US" dirty="0"/>
           </a:p>
@@ -1686,7 +1691,7 @@
             <a:fld id="{53BEF823-48A5-43FC-BE03-E79964288B41}" type="datetimeFigureOut">
               <a:rPr lang="en-US" smtClean="0"/>
               <a:pPr algn="r"/>
-              <a:t>8/8/2024</a:t>
+              <a:t>8/20/2024</a:t>
             </a:fld>
             <a:endParaRPr lang="en-US" dirty="0"/>
           </a:p>
@@ -2129,7 +2134,7 @@
             <a:fld id="{53BEF823-48A5-43FC-BE03-E79964288B41}" type="datetimeFigureOut">
               <a:rPr lang="en-US" smtClean="0"/>
               <a:pPr algn="r"/>
-              <a:t>8/8/2024</a:t>
+              <a:t>8/20/2024</a:t>
             </a:fld>
             <a:endParaRPr lang="en-US" dirty="0"/>
           </a:p>
@@ -2275,7 +2280,7 @@
             <a:fld id="{53BEF823-48A5-43FC-BE03-E79964288B41}" type="datetimeFigureOut">
               <a:rPr lang="en-US" smtClean="0"/>
               <a:pPr algn="r"/>
-              <a:t>8/8/2024</a:t>
+              <a:t>8/20/2024</a:t>
             </a:fld>
             <a:endParaRPr lang="en-US" dirty="0"/>
           </a:p>
@@ -2393,7 +2398,7 @@
             <a:fld id="{53BEF823-48A5-43FC-BE03-E79964288B41}" type="datetimeFigureOut">
               <a:rPr lang="en-US" smtClean="0"/>
               <a:pPr algn="r"/>
-              <a:t>8/8/2024</a:t>
+              <a:t>8/20/2024</a:t>
             </a:fld>
             <a:endParaRPr lang="en-US" dirty="0"/>
           </a:p>
@@ -2677,7 +2682,7 @@
             <a:fld id="{53BEF823-48A5-43FC-BE03-E79964288B41}" type="datetimeFigureOut">
               <a:rPr lang="en-US" smtClean="0"/>
               <a:pPr algn="r"/>
-              <a:t>8/8/2024</a:t>
+              <a:t>8/20/2024</a:t>
             </a:fld>
             <a:endParaRPr lang="en-US" dirty="0"/>
           </a:p>
@@ -2972,7 +2977,7 @@
             <a:fld id="{53BEF823-48A5-43FC-BE03-E79964288B41}" type="datetimeFigureOut">
               <a:rPr lang="en-US" smtClean="0"/>
               <a:pPr algn="r"/>
-              <a:t>8/8/2024</a:t>
+              <a:t>8/20/2024</a:t>
             </a:fld>
             <a:endParaRPr lang="en-US" dirty="0"/>
           </a:p>
@@ -3463,7 +3468,7 @@
             <a:fld id="{53BEF823-48A5-43FC-BE03-E79964288B41}" type="datetimeFigureOut">
               <a:rPr lang="en-US" smtClean="0"/>
               <a:pPr algn="r"/>
-              <a:t>8/8/2024</a:t>
+              <a:t>8/20/2024</a:t>
             </a:fld>
             <a:endParaRPr lang="en-US" dirty="0"/>
           </a:p>
@@ -4534,10 +4539,10 @@
       </p:sp>
       <p:pic>
         <p:nvPicPr>
-          <p:cNvPr id="12" name="그림 11">
-            <a:extLst>
-              <a:ext uri="{FF2B5EF4-FFF2-40B4-BE49-F238E27FC236}">
-                <a16:creationId xmlns:a16="http://schemas.microsoft.com/office/drawing/2014/main" id="{6569B9D5-869B-DDD9-1114-01529B834ED5}"/>
+          <p:cNvPr id="4" name="그림 3">
+            <a:extLst>
+              <a:ext uri="{FF2B5EF4-FFF2-40B4-BE49-F238E27FC236}">
+                <a16:creationId xmlns:a16="http://schemas.microsoft.com/office/drawing/2014/main" id="{CBE8E310-F467-6AB1-7A0A-CD66C5079269}"/>
               </a:ext>
             </a:extLst>
           </p:cNvPr>
@@ -4554,22 +4559,12 @@
         </p:blipFill>
         <p:spPr>
           <a:xfrm>
-            <a:off x="2484065" y="1090115"/>
-            <a:ext cx="9495284" cy="4677770"/>
+            <a:off x="2569233" y="1200056"/>
+            <a:ext cx="9517176" cy="4457887"/>
           </a:xfrm>
           <a:prstGeom prst="rect">
             <a:avLst/>
           </a:prstGeom>
-          <a:ln>
-            <a:noFill/>
-          </a:ln>
-          <a:effectLst>
-            <a:outerShdw blurRad="292100" dist="139700" dir="2700000" algn="tl" rotWithShape="0">
-              <a:srgbClr val="333333">
-                <a:alpha val="65000"/>
-              </a:srgbClr>
-            </a:outerShdw>
-          </a:effectLst>
         </p:spPr>
       </p:pic>
     </p:spTree>
